--- a/Ostrovskiy  Diploma.pptx
+++ b/Ostrovskiy  Diploma.pptx
@@ -280,7 +280,7 @@
               <a:pPr>
                 <a:defRPr/>
               </a:pPr>
-              <a:t>09.06.2017</a:t>
+              <a:t>10.06.2017</a:t>
             </a:fld>
             <a:endParaRPr lang="ru-RU"/>
           </a:p>
@@ -4021,7 +4021,7 @@
               <a:pPr>
                 <a:defRPr/>
               </a:pPr>
-              <a:t>09.06.2017</a:t>
+              <a:t>10.06.2017</a:t>
             </a:fld>
             <a:endParaRPr lang="ru-RU"/>
           </a:p>
@@ -4213,7 +4213,7 @@
               <a:pPr>
                 <a:defRPr/>
               </a:pPr>
-              <a:t>09.06.2017</a:t>
+              <a:t>10.06.2017</a:t>
             </a:fld>
             <a:endParaRPr lang="ru-RU"/>
           </a:p>
@@ -4415,7 +4415,7 @@
               <a:pPr>
                 <a:defRPr/>
               </a:pPr>
-              <a:t>09.06.2017</a:t>
+              <a:t>10.06.2017</a:t>
             </a:fld>
             <a:endParaRPr lang="ru-RU"/>
           </a:p>
@@ -4607,7 +4607,7 @@
               <a:pPr>
                 <a:defRPr/>
               </a:pPr>
-              <a:t>09.06.2017</a:t>
+              <a:t>10.06.2017</a:t>
             </a:fld>
             <a:endParaRPr lang="ru-RU"/>
           </a:p>
@@ -4875,7 +4875,7 @@
               <a:pPr>
                 <a:defRPr/>
               </a:pPr>
-              <a:t>09.06.2017</a:t>
+              <a:t>10.06.2017</a:t>
             </a:fld>
             <a:endParaRPr lang="ru-RU"/>
           </a:p>
@@ -5185,7 +5185,7 @@
               <a:pPr>
                 <a:defRPr/>
               </a:pPr>
-              <a:t>09.06.2017</a:t>
+              <a:t>10.06.2017</a:t>
             </a:fld>
             <a:endParaRPr lang="ru-RU"/>
           </a:p>
@@ -5629,7 +5629,7 @@
               <a:pPr>
                 <a:defRPr/>
               </a:pPr>
-              <a:t>09.06.2017</a:t>
+              <a:t>10.06.2017</a:t>
             </a:fld>
             <a:endParaRPr lang="ru-RU"/>
           </a:p>
@@ -5769,7 +5769,7 @@
               <a:pPr>
                 <a:defRPr/>
               </a:pPr>
-              <a:t>09.06.2017</a:t>
+              <a:t>10.06.2017</a:t>
             </a:fld>
             <a:endParaRPr lang="ru-RU"/>
           </a:p>
@@ -5886,7 +5886,7 @@
               <a:pPr>
                 <a:defRPr/>
               </a:pPr>
-              <a:t>09.06.2017</a:t>
+              <a:t>10.06.2017</a:t>
             </a:fld>
             <a:endParaRPr lang="ru-RU"/>
           </a:p>
@@ -6185,7 +6185,7 @@
               <a:pPr>
                 <a:defRPr/>
               </a:pPr>
-              <a:t>09.06.2017</a:t>
+              <a:t>10.06.2017</a:t>
             </a:fld>
             <a:endParaRPr lang="ru-RU"/>
           </a:p>
@@ -6463,7 +6463,7 @@
               <a:pPr>
                 <a:defRPr/>
               </a:pPr>
-              <a:t>09.06.2017</a:t>
+              <a:t>10.06.2017</a:t>
             </a:fld>
             <a:endParaRPr lang="ru-RU"/>
           </a:p>
@@ -6754,7 +6754,7 @@
               <a:pPr>
                 <a:defRPr/>
               </a:pPr>
-              <a:t>09.06.2017</a:t>
+              <a:t>10.06.2017</a:t>
             </a:fld>
             <a:endParaRPr lang="ru-RU"/>
           </a:p>
@@ -7343,7 +7343,7 @@
         <p:spPr bwMode="auto">
           <a:xfrm>
             <a:off x="395536" y="2708275"/>
-            <a:ext cx="8568951" cy="1569660"/>
+            <a:ext cx="8568951" cy="2062103"/>
           </a:xfrm>
           <a:prstGeom prst="rect">
             <a:avLst/>
@@ -7498,7 +7498,19 @@
               <a:rPr lang="ru-RU" altLang="ru-RU" sz="3200" b="1" dirty="0" smtClean="0">
                 <a:latin typeface="Verdana" panose="020B0604030504040204" pitchFamily="34" charset="0"/>
               </a:rPr>
-              <a:t>многомерном рюкзаке с помощью генетического алгоритма</a:t>
+              <a:t>многомерном рюкзаке с </a:t>
+            </a:r>
+            <a:r>
+              <a:rPr lang="ru-RU" altLang="ru-RU" sz="3200" b="1" dirty="0" smtClean="0">
+                <a:latin typeface="Verdana" panose="020B0604030504040204" pitchFamily="34" charset="0"/>
+              </a:rPr>
+              <a:t>использованием </a:t>
+            </a:r>
+            <a:r>
+              <a:rPr lang="ru-RU" altLang="ru-RU" sz="3200" b="1" dirty="0" smtClean="0">
+                <a:latin typeface="Verdana" panose="020B0604030504040204" pitchFamily="34" charset="0"/>
+              </a:rPr>
+              <a:t>генетического алгоритма</a:t>
             </a:r>
             <a:endParaRPr lang="ru-RU" altLang="ru-RU" sz="3200" b="1" dirty="0">
               <a:latin typeface="Verdana" panose="020B0604030504040204" pitchFamily="34" charset="0"/>
@@ -16102,7 +16114,7 @@
         <p:spPr bwMode="auto">
           <a:xfrm>
             <a:off x="539750" y="1714500"/>
-            <a:ext cx="8064698" cy="3447098"/>
+            <a:ext cx="8064698" cy="3877985"/>
           </a:xfrm>
           <a:prstGeom prst="rect">
             <a:avLst/>
@@ -16287,7 +16299,28 @@
               <a:rPr lang="ru-RU" altLang="ru-RU" sz="2800" dirty="0" smtClean="0">
                 <a:latin typeface="Verdana" panose="020B0604030504040204" pitchFamily="34" charset="0"/>
               </a:rPr>
-              <a:t>погрузка груза и контроль бюджета </a:t>
+              <a:t>погрузка груза </a:t>
+            </a:r>
+            <a:endParaRPr lang="ru-RU" altLang="ru-RU" sz="2800" dirty="0" smtClean="0">
+              <a:latin typeface="Verdana" panose="020B0604030504040204" pitchFamily="34" charset="0"/>
+            </a:endParaRPr>
+          </a:p>
+          <a:p>
+            <a:pPr marL="285750" indent="-285750" algn="just" eaLnBrk="1" hangingPunct="1">
+              <a:buFont typeface="Arial" panose="020B0604020202020204" pitchFamily="34" charset="0"/>
+              <a:buChar char="•"/>
+            </a:pPr>
+            <a:r>
+              <a:rPr lang="ru-RU" altLang="ru-RU" sz="2800" dirty="0" smtClean="0">
+                <a:latin typeface="Verdana" panose="020B0604030504040204" pitchFamily="34" charset="0"/>
+              </a:rPr>
+              <a:t>контроль </a:t>
+            </a:r>
+            <a:r>
+              <a:rPr lang="ru-RU" altLang="ru-RU" sz="2800" dirty="0" smtClean="0">
+                <a:latin typeface="Verdana" panose="020B0604030504040204" pitchFamily="34" charset="0"/>
+              </a:rPr>
+              <a:t>бюджета </a:t>
             </a:r>
           </a:p>
           <a:p>
@@ -16779,8 +16812,8 @@
         </p:nvSpPr>
         <p:spPr bwMode="auto">
           <a:xfrm>
-            <a:off x="539750" y="1714500"/>
-            <a:ext cx="8064698" cy="4154984"/>
+            <a:off x="539651" y="1628776"/>
+            <a:ext cx="8064698" cy="4924425"/>
           </a:xfrm>
           <a:prstGeom prst="rect">
             <a:avLst/>
@@ -16926,10 +16959,16 @@
               <a:buChar char="•"/>
             </a:pPr>
             <a:r>
-              <a:rPr lang="ru-RU" altLang="ru-RU" dirty="0" smtClean="0">
+              <a:rPr lang="ru-RU" altLang="ru-RU" sz="2000" dirty="0" smtClean="0">
                 <a:latin typeface="Verdana" panose="020B0604030504040204" pitchFamily="34" charset="0"/>
               </a:rPr>
-              <a:t>Создается пул генотипов с использованием заданного алгоритма начального приближения</a:t>
+              <a:t>Создается пул генотипов с использованием заданного алгоритма </a:t>
+            </a:r>
+            <a:r>
+              <a:rPr lang="ru-RU" altLang="ru-RU" sz="2000" b="1" dirty="0" smtClean="0">
+                <a:latin typeface="Verdana" panose="020B0604030504040204" pitchFamily="34" charset="0"/>
+              </a:rPr>
+              <a:t>начального приближения</a:t>
             </a:r>
           </a:p>
           <a:p>
@@ -16938,7 +16977,7 @@
               <a:buChar char="•"/>
             </a:pPr>
             <a:r>
-              <a:rPr lang="ru-RU" altLang="ru-RU" dirty="0" smtClean="0">
+              <a:rPr lang="ru-RU" altLang="ru-RU" sz="2000" dirty="0" smtClean="0">
                 <a:latin typeface="Verdana" panose="020B0604030504040204" pitchFamily="34" charset="0"/>
               </a:rPr>
               <a:t>Запускается итерационный процесс</a:t>
@@ -16950,7 +16989,7 @@
               <a:buChar char="•"/>
             </a:pPr>
             <a:r>
-              <a:rPr lang="ru-RU" altLang="ru-RU" dirty="0" smtClean="0">
+              <a:rPr lang="ru-RU" altLang="ru-RU" sz="2000" dirty="0" smtClean="0">
                 <a:latin typeface="Verdana" panose="020B0604030504040204" pitchFamily="34" charset="0"/>
               </a:rPr>
               <a:t>Случайным образом выбирается часть пула, которая подвергнется мутации</a:t>
@@ -16962,10 +17001,22 @@
               <a:buChar char="•"/>
             </a:pPr>
             <a:r>
-              <a:rPr lang="ru-RU" altLang="ru-RU" dirty="0" smtClean="0">
+              <a:rPr lang="ru-RU" altLang="ru-RU" sz="2000" dirty="0" smtClean="0">
                 <a:latin typeface="Verdana" panose="020B0604030504040204" pitchFamily="34" charset="0"/>
               </a:rPr>
-              <a:t>Выбранная часть пула генотипов мутируется </a:t>
+              <a:t>Выбранная часть пула генотипов </a:t>
+            </a:r>
+            <a:r>
+              <a:rPr lang="ru-RU" altLang="ru-RU" sz="2000" b="1" dirty="0" smtClean="0">
+                <a:latin typeface="Verdana" panose="020B0604030504040204" pitchFamily="34" charset="0"/>
+              </a:rPr>
+              <a:t>мутируется</a:t>
+            </a:r>
+            <a:r>
+              <a:rPr lang="ru-RU" altLang="ru-RU" sz="2000" dirty="0" smtClean="0">
+                <a:latin typeface="Verdana" panose="020B0604030504040204" pitchFamily="34" charset="0"/>
+              </a:rPr>
+              <a:t> </a:t>
             </a:r>
           </a:p>
           <a:p>
@@ -16974,23 +17025,20 @@
               <a:buChar char="•"/>
             </a:pPr>
             <a:r>
-              <a:rPr lang="ru-RU" altLang="ru-RU" dirty="0" smtClean="0">
+              <a:rPr lang="ru-RU" altLang="ru-RU" sz="2000" dirty="0" smtClean="0">
                 <a:latin typeface="Verdana" panose="020B0604030504040204" pitchFamily="34" charset="0"/>
               </a:rPr>
-              <a:t>Мутировавшие генотипы замещают собой исходные в пуле, </a:t>
+              <a:t>Мутировавшие генотипы замещают собой исходные в </a:t>
             </a:r>
             <a:r>
-              <a:rPr lang="ru-RU" altLang="ru-RU" dirty="0" err="1" smtClean="0">
+              <a:rPr lang="ru-RU" altLang="ru-RU" sz="2000" dirty="0" smtClean="0">
                 <a:latin typeface="Verdana" panose="020B0604030504040204" pitchFamily="34" charset="0"/>
               </a:rPr>
-              <a:t>немутировавшие</a:t>
+              <a:t>пуле</a:t>
             </a:r>
-            <a:r>
-              <a:rPr lang="ru-RU" altLang="ru-RU" dirty="0" smtClean="0">
-                <a:latin typeface="Verdana" panose="020B0604030504040204" pitchFamily="34" charset="0"/>
-              </a:rPr>
-              <a:t> остаются без изменений</a:t>
-            </a:r>
+            <a:endParaRPr lang="en-US" altLang="ru-RU" sz="2000" dirty="0" smtClean="0">
+              <a:latin typeface="Verdana" panose="020B0604030504040204" pitchFamily="34" charset="0"/>
+            </a:endParaRPr>
           </a:p>
           <a:p>
             <a:pPr marL="914400" lvl="1" indent="-171450" algn="just" eaLnBrk="1" hangingPunct="1">
@@ -16998,10 +17046,16 @@
               <a:buChar char="•"/>
             </a:pPr>
             <a:r>
-              <a:rPr lang="ru-RU" altLang="ru-RU" dirty="0" smtClean="0">
+              <a:rPr lang="ru-RU" altLang="ru-RU" sz="2000" dirty="0" smtClean="0">
                 <a:latin typeface="Verdana" panose="020B0604030504040204" pitchFamily="34" charset="0"/>
               </a:rPr>
-              <a:t>Из пула генотипов выбираются пары для скрещивания</a:t>
+              <a:t>Из </a:t>
+            </a:r>
+            <a:r>
+              <a:rPr lang="ru-RU" altLang="ru-RU" sz="2000" dirty="0" smtClean="0">
+                <a:latin typeface="Verdana" panose="020B0604030504040204" pitchFamily="34" charset="0"/>
+              </a:rPr>
+              <a:t>пула генотипов выбираются пары для скрещивания</a:t>
             </a:r>
           </a:p>
           <a:p>
@@ -17010,10 +17064,16 @@
               <a:buChar char="•"/>
             </a:pPr>
             <a:r>
-              <a:rPr lang="ru-RU" altLang="ru-RU" dirty="0" smtClean="0">
+              <a:rPr lang="ru-RU" altLang="ru-RU" sz="2000" dirty="0" smtClean="0">
                 <a:latin typeface="Verdana" panose="020B0604030504040204" pitchFamily="34" charset="0"/>
               </a:rPr>
-              <a:t>Производится скрещивание</a:t>
+              <a:t>Производится </a:t>
+            </a:r>
+            <a:r>
+              <a:rPr lang="ru-RU" altLang="ru-RU" sz="2000" b="1" dirty="0" smtClean="0">
+                <a:latin typeface="Verdana" panose="020B0604030504040204" pitchFamily="34" charset="0"/>
+              </a:rPr>
+              <a:t>скрещивание</a:t>
             </a:r>
           </a:p>
           <a:p>
@@ -17022,7 +17082,7 @@
               <a:buChar char="•"/>
             </a:pPr>
             <a:r>
-              <a:rPr lang="ru-RU" altLang="ru-RU" dirty="0" smtClean="0">
+              <a:rPr lang="ru-RU" altLang="ru-RU" sz="2000" dirty="0" smtClean="0">
                 <a:latin typeface="Verdana" panose="020B0604030504040204" pitchFamily="34" charset="0"/>
               </a:rPr>
               <a:t>Из результатов скрещивания выбираются лучшие </a:t>
@@ -17034,7 +17094,7 @@
               <a:buChar char="•"/>
             </a:pPr>
             <a:r>
-              <a:rPr lang="ru-RU" altLang="ru-RU" dirty="0" smtClean="0">
+              <a:rPr lang="ru-RU" altLang="ru-RU" sz="2000" dirty="0" smtClean="0">
                 <a:latin typeface="Verdana" panose="020B0604030504040204" pitchFamily="34" charset="0"/>
               </a:rPr>
               <a:t>Если выполнено условие останова, то итерационный процесс завершается, в противном случае  начинается следующая итерация.</a:t>
@@ -17046,12 +17106,12 @@
               <a:buChar char="•"/>
             </a:pPr>
             <a:r>
-              <a:rPr lang="ru-RU" altLang="ru-RU" dirty="0" smtClean="0">
+              <a:rPr lang="ru-RU" altLang="ru-RU" sz="2000" dirty="0" smtClean="0">
                 <a:latin typeface="Verdana" panose="020B0604030504040204" pitchFamily="34" charset="0"/>
               </a:rPr>
               <a:t>Результат итерационного процесса отдается пользователю</a:t>
             </a:r>
-            <a:endParaRPr lang="ru-RU" altLang="ru-RU" dirty="0">
+            <a:endParaRPr lang="ru-RU" altLang="ru-RU" sz="2000" dirty="0">
               <a:latin typeface="Verdana" panose="020B0604030504040204" pitchFamily="34" charset="0"/>
             </a:endParaRPr>
           </a:p>

--- a/Ostrovskiy  Diploma.pptx
+++ b/Ostrovskiy  Diploma.pptx
@@ -5,7 +5,7 @@
     <p:sldMasterId id="2147483648" r:id="rId1"/>
   </p:sldMasterIdLst>
   <p:notesMasterIdLst>
-    <p:notesMasterId r:id="rId15"/>
+    <p:notesMasterId r:id="rId16"/>
   </p:notesMasterIdLst>
   <p:sldIdLst>
     <p:sldId id="257" r:id="rId2"/>
@@ -20,7 +20,8 @@
     <p:sldId id="273" r:id="rId11"/>
     <p:sldId id="271" r:id="rId12"/>
     <p:sldId id="274" r:id="rId13"/>
-    <p:sldId id="275" r:id="rId14"/>
+    <p:sldId id="277" r:id="rId14"/>
+    <p:sldId id="275" r:id="rId15"/>
   </p:sldIdLst>
   <p:sldSz cx="9144000" cy="6858000" type="screen4x3"/>
   <p:notesSz cx="6858000" cy="9144000"/>
@@ -1548,6 +1549,242 @@
       </p:grpSpPr>
       <p:sp>
         <p:nvSpPr>
+          <p:cNvPr id="12290" name="Образ слайда 1"/>
+          <p:cNvSpPr>
+            <a:spLocks noGrp="1" noRot="1" noChangeAspect="1" noTextEdit="1"/>
+          </p:cNvSpPr>
+          <p:nvPr>
+            <p:ph type="sldImg"/>
+          </p:nvPr>
+        </p:nvSpPr>
+        <p:spPr bwMode="auto">
+          <a:noFill/>
+          <a:ln>
+            <a:solidFill>
+              <a:srgbClr val="000000"/>
+            </a:solidFill>
+            <a:miter lim="800000"/>
+            <a:headEnd/>
+            <a:tailEnd/>
+          </a:ln>
+          <a:extLst>
+            <a:ext uri="{909E8E84-426E-40DD-AFC4-6F175D3DCCD1}">
+              <a14:hiddenFill xmlns:a14="http://schemas.microsoft.com/office/drawing/2010/main">
+                <a:solidFill>
+                  <a:srgbClr val="FFFFFF"/>
+                </a:solidFill>
+              </a14:hiddenFill>
+            </a:ext>
+          </a:extLst>
+        </p:spPr>
+      </p:sp>
+      <p:sp>
+        <p:nvSpPr>
+          <p:cNvPr id="12291" name="Заметки 2"/>
+          <p:cNvSpPr>
+            <a:spLocks noGrp="1"/>
+          </p:cNvSpPr>
+          <p:nvPr>
+            <p:ph type="body" idx="1"/>
+          </p:nvPr>
+        </p:nvSpPr>
+        <p:spPr bwMode="auto">
+          <a:noFill/>
+          <a:extLst>
+            <a:ext uri="{909E8E84-426E-40DD-AFC4-6F175D3DCCD1}">
+              <a14:hiddenFill xmlns:a14="http://schemas.microsoft.com/office/drawing/2010/main">
+                <a:solidFill>
+                  <a:srgbClr val="FFFFFF"/>
+                </a:solidFill>
+              </a14:hiddenFill>
+            </a:ext>
+            <a:ext uri="{91240B29-F687-4F45-9708-019B960494DF}">
+              <a14:hiddenLine xmlns:a14="http://schemas.microsoft.com/office/drawing/2010/main" w="9525">
+                <a:solidFill>
+                  <a:srgbClr val="000000"/>
+                </a:solidFill>
+                <a:miter lim="800000"/>
+                <a:headEnd/>
+                <a:tailEnd/>
+              </a14:hiddenLine>
+            </a:ext>
+          </a:extLst>
+        </p:spPr>
+        <p:txBody>
+          <a:bodyPr wrap="square" numCol="1" anchor="t" anchorCtr="0" compatLnSpc="1">
+            <a:prstTxWarp prst="textNoShape">
+              <a:avLst/>
+            </a:prstTxWarp>
+          </a:bodyPr>
+          <a:lstStyle/>
+          <a:p>
+            <a:endParaRPr lang="ru-RU" altLang="ru-RU" smtClean="0"/>
+          </a:p>
+        </p:txBody>
+      </p:sp>
+      <p:sp>
+        <p:nvSpPr>
+          <p:cNvPr id="4" name="Номер слайда 3"/>
+          <p:cNvSpPr>
+            <a:spLocks noGrp="1"/>
+          </p:cNvSpPr>
+          <p:nvPr>
+            <p:ph type="sldNum" sz="quarter" idx="5"/>
+          </p:nvPr>
+        </p:nvSpPr>
+        <p:spPr/>
+        <p:txBody>
+          <a:bodyPr/>
+          <a:lstStyle>
+            <a:lvl1pPr eaLnBrk="0" hangingPunct="0">
+              <a:defRPr>
+                <a:solidFill>
+                  <a:schemeClr val="tx1"/>
+                </a:solidFill>
+                <a:latin typeface="Calibri" panose="020F0502020204030204" pitchFamily="34" charset="0"/>
+                <a:cs typeface="Arial" panose="020B0604020202020204" pitchFamily="34" charset="0"/>
+              </a:defRPr>
+            </a:lvl1pPr>
+            <a:lvl2pPr marL="742950" indent="-285750" eaLnBrk="0" hangingPunct="0">
+              <a:defRPr>
+                <a:solidFill>
+                  <a:schemeClr val="tx1"/>
+                </a:solidFill>
+                <a:latin typeface="Calibri" panose="020F0502020204030204" pitchFamily="34" charset="0"/>
+                <a:cs typeface="Arial" panose="020B0604020202020204" pitchFamily="34" charset="0"/>
+              </a:defRPr>
+            </a:lvl2pPr>
+            <a:lvl3pPr marL="1143000" indent="-228600" eaLnBrk="0" hangingPunct="0">
+              <a:defRPr>
+                <a:solidFill>
+                  <a:schemeClr val="tx1"/>
+                </a:solidFill>
+                <a:latin typeface="Calibri" panose="020F0502020204030204" pitchFamily="34" charset="0"/>
+                <a:cs typeface="Arial" panose="020B0604020202020204" pitchFamily="34" charset="0"/>
+              </a:defRPr>
+            </a:lvl3pPr>
+            <a:lvl4pPr marL="1600200" indent="-228600" eaLnBrk="0" hangingPunct="0">
+              <a:defRPr>
+                <a:solidFill>
+                  <a:schemeClr val="tx1"/>
+                </a:solidFill>
+                <a:latin typeface="Calibri" panose="020F0502020204030204" pitchFamily="34" charset="0"/>
+                <a:cs typeface="Arial" panose="020B0604020202020204" pitchFamily="34" charset="0"/>
+              </a:defRPr>
+            </a:lvl4pPr>
+            <a:lvl5pPr marL="2057400" indent="-228600" eaLnBrk="0" hangingPunct="0">
+              <a:defRPr>
+                <a:solidFill>
+                  <a:schemeClr val="tx1"/>
+                </a:solidFill>
+                <a:latin typeface="Calibri" panose="020F0502020204030204" pitchFamily="34" charset="0"/>
+                <a:cs typeface="Arial" panose="020B0604020202020204" pitchFamily="34" charset="0"/>
+              </a:defRPr>
+            </a:lvl5pPr>
+            <a:lvl6pPr marL="2514600" indent="-228600" eaLnBrk="0" fontAlgn="base" hangingPunct="0">
+              <a:spcBef>
+                <a:spcPct val="0"/>
+              </a:spcBef>
+              <a:spcAft>
+                <a:spcPct val="0"/>
+              </a:spcAft>
+              <a:defRPr>
+                <a:solidFill>
+                  <a:schemeClr val="tx1"/>
+                </a:solidFill>
+                <a:latin typeface="Calibri" panose="020F0502020204030204" pitchFamily="34" charset="0"/>
+                <a:cs typeface="Arial" panose="020B0604020202020204" pitchFamily="34" charset="0"/>
+              </a:defRPr>
+            </a:lvl6pPr>
+            <a:lvl7pPr marL="2971800" indent="-228600" eaLnBrk="0" fontAlgn="base" hangingPunct="0">
+              <a:spcBef>
+                <a:spcPct val="0"/>
+              </a:spcBef>
+              <a:spcAft>
+                <a:spcPct val="0"/>
+              </a:spcAft>
+              <a:defRPr>
+                <a:solidFill>
+                  <a:schemeClr val="tx1"/>
+                </a:solidFill>
+                <a:latin typeface="Calibri" panose="020F0502020204030204" pitchFamily="34" charset="0"/>
+                <a:cs typeface="Arial" panose="020B0604020202020204" pitchFamily="34" charset="0"/>
+              </a:defRPr>
+            </a:lvl7pPr>
+            <a:lvl8pPr marL="3429000" indent="-228600" eaLnBrk="0" fontAlgn="base" hangingPunct="0">
+              <a:spcBef>
+                <a:spcPct val="0"/>
+              </a:spcBef>
+              <a:spcAft>
+                <a:spcPct val="0"/>
+              </a:spcAft>
+              <a:defRPr>
+                <a:solidFill>
+                  <a:schemeClr val="tx1"/>
+                </a:solidFill>
+                <a:latin typeface="Calibri" panose="020F0502020204030204" pitchFamily="34" charset="0"/>
+                <a:cs typeface="Arial" panose="020B0604020202020204" pitchFamily="34" charset="0"/>
+              </a:defRPr>
+            </a:lvl8pPr>
+            <a:lvl9pPr marL="3886200" indent="-228600" eaLnBrk="0" fontAlgn="base" hangingPunct="0">
+              <a:spcBef>
+                <a:spcPct val="0"/>
+              </a:spcBef>
+              <a:spcAft>
+                <a:spcPct val="0"/>
+              </a:spcAft>
+              <a:defRPr>
+                <a:solidFill>
+                  <a:schemeClr val="tx1"/>
+                </a:solidFill>
+                <a:latin typeface="Calibri" panose="020F0502020204030204" pitchFamily="34" charset="0"/>
+                <a:cs typeface="Arial" panose="020B0604020202020204" pitchFamily="34" charset="0"/>
+              </a:defRPr>
+            </a:lvl9pPr>
+          </a:lstStyle>
+          <a:p>
+            <a:pPr eaLnBrk="1" hangingPunct="1"/>
+            <a:fld id="{609FA20E-E25F-43A6-9AB6-B3FDB5E815FF}" type="slidenum">
+              <a:rPr lang="ru-RU" altLang="ru-RU"/>
+              <a:pPr eaLnBrk="1" hangingPunct="1"/>
+              <a:t>13</a:t>
+            </a:fld>
+            <a:endParaRPr lang="ru-RU" altLang="ru-RU"/>
+          </a:p>
+        </p:txBody>
+      </p:sp>
+    </p:spTree>
+    <p:extLst>
+      <p:ext uri="{BB962C8B-B14F-4D97-AF65-F5344CB8AC3E}">
+        <p14:creationId xmlns:p14="http://schemas.microsoft.com/office/powerpoint/2010/main" val="405269090"/>
+      </p:ext>
+    </p:extLst>
+  </p:cSld>
+  <p:clrMapOvr>
+    <a:masterClrMapping/>
+  </p:clrMapOvr>
+</p:notes>
+</file>
+
+<file path=ppt/notesSlides/notesSlide14.xml><?xml version="1.0" encoding="utf-8"?>
+<p:notes xmlns:a="http://schemas.openxmlformats.org/drawingml/2006/main" xmlns:r="http://schemas.openxmlformats.org/officeDocument/2006/relationships" xmlns:p="http://schemas.openxmlformats.org/presentationml/2006/main">
+  <p:cSld>
+    <p:spTree>
+      <p:nvGrpSpPr>
+        <p:cNvPr id="1" name=""/>
+        <p:cNvGrpSpPr/>
+        <p:nvPr/>
+      </p:nvGrpSpPr>
+      <p:grpSpPr>
+        <a:xfrm>
+          <a:off x="0" y="0"/>
+          <a:ext cx="0" cy="0"/>
+          <a:chOff x="0" y="0"/>
+          <a:chExt cx="0" cy="0"/>
+        </a:xfrm>
+      </p:grpSpPr>
+      <p:sp>
+        <p:nvSpPr>
           <p:cNvPr id="22530" name="Образ слайда 1"/>
           <p:cNvSpPr>
             <a:spLocks noGrp="1" noRot="1" noChangeAspect="1" noTextEdit="1"/>
@@ -1781,7 +2018,7 @@
                   <a:spcPct val="0"/>
                 </a:spcBef>
               </a:pPr>
-              <a:t>13</a:t>
+              <a:t>14</a:t>
             </a:fld>
             <a:endParaRPr lang="ru-RU" altLang="ru-RU" smtClean="0"/>
           </a:p>
@@ -7498,19 +7735,7 @@
               <a:rPr lang="ru-RU" altLang="ru-RU" sz="3200" b="1" dirty="0" smtClean="0">
                 <a:latin typeface="Verdana" panose="020B0604030504040204" pitchFamily="34" charset="0"/>
               </a:rPr>
-              <a:t>многомерном рюкзаке с </a:t>
-            </a:r>
-            <a:r>
-              <a:rPr lang="ru-RU" altLang="ru-RU" sz="3200" b="1" dirty="0" smtClean="0">
-                <a:latin typeface="Verdana" panose="020B0604030504040204" pitchFamily="34" charset="0"/>
-              </a:rPr>
-              <a:t>использованием </a:t>
-            </a:r>
-            <a:r>
-              <a:rPr lang="ru-RU" altLang="ru-RU" sz="3200" b="1" dirty="0" smtClean="0">
-                <a:latin typeface="Verdana" panose="020B0604030504040204" pitchFamily="34" charset="0"/>
-              </a:rPr>
-              <a:t>генетического алгоритма</a:t>
+              <a:t>многомерном рюкзаке с использованием генетического алгоритма</a:t>
             </a:r>
             <a:endParaRPr lang="ru-RU" altLang="ru-RU" sz="3200" b="1" dirty="0">
               <a:latin typeface="Verdana" panose="020B0604030504040204" pitchFamily="34" charset="0"/>
@@ -7748,6 +7973,13 @@
   <p:clrMapOvr>
     <a:masterClrMapping/>
   </p:clrMapOvr>
+  <p:timing>
+    <p:tnLst>
+      <p:par>
+        <p:cTn id="1" dur="indefinite" restart="never" nodeType="tmRoot"/>
+      </p:par>
+    </p:tnLst>
+  </p:timing>
 </p:sld>
 </file>
 
@@ -8441,6 +8673,13 @@
   <p:clrMapOvr>
     <a:masterClrMapping/>
   </p:clrMapOvr>
+  <p:timing>
+    <p:tnLst>
+      <p:par>
+        <p:cTn id="1" dur="indefinite" restart="never" nodeType="tmRoot"/>
+      </p:par>
+    </p:tnLst>
+  </p:timing>
 </p:sld>
 </file>
 
@@ -8689,7 +8928,7 @@
           <p:nvPr>
             <p:extLst>
               <p:ext uri="{D42A27DB-BD31-4B8C-83A1-F6EECF244321}">
-                <p14:modId xmlns:p14="http://schemas.microsoft.com/office/powerpoint/2010/main" val="3714644063"/>
+                <p14:modId xmlns:p14="http://schemas.microsoft.com/office/powerpoint/2010/main" val="452161806"/>
               </p:ext>
             </p:extLst>
           </p:nvPr>
@@ -8770,12 +9009,12 @@
                         </a:spcAft>
                       </a:pPr>
                       <a:r>
-                        <a:rPr lang="ru-RU" sz="1400" dirty="0">
+                        <a:rPr lang="ru-RU" sz="1800" dirty="0">
                           <a:effectLst/>
                         </a:rPr>
                         <a:t>Точечная мутация</a:t>
                       </a:r>
-                      <a:endParaRPr lang="ru-RU" sz="1100" dirty="0">
+                      <a:endParaRPr lang="ru-RU" sz="1800" dirty="0">
                         <a:effectLst/>
                         <a:latin typeface="Calibri" panose="020F0502020204030204" pitchFamily="34" charset="0"/>
                         <a:ea typeface="Calibri" panose="020F0502020204030204" pitchFamily="34" charset="0"/>
@@ -8839,12 +9078,12 @@
                         </a:spcAft>
                       </a:pPr>
                       <a:r>
-                        <a:rPr lang="ru-RU" sz="1100" dirty="0" smtClean="0">
+                        <a:rPr lang="ru-RU" sz="1800" dirty="0" smtClean="0">
                           <a:effectLst/>
                         </a:rPr>
                         <a:t>Половинная мутация </a:t>
                       </a:r>
-                      <a:endParaRPr lang="ru-RU" sz="1000" dirty="0">
+                      <a:endParaRPr lang="ru-RU" sz="1800" dirty="0">
                         <a:effectLst/>
                         <a:latin typeface="Calibri" panose="020F0502020204030204" pitchFamily="34" charset="0"/>
                         <a:ea typeface="Calibri" panose="020F0502020204030204" pitchFamily="34" charset="0"/>
@@ -13291,6 +13530,13 @@
   <p:clrMapOvr>
     <a:masterClrMapping/>
   </p:clrMapOvr>
+  <p:timing>
+    <p:tnLst>
+      <p:par>
+        <p:cTn id="1" dur="indefinite" restart="never" nodeType="tmRoot"/>
+      </p:par>
+    </p:tnLst>
+  </p:timing>
 </p:sld>
 </file>
 
@@ -14044,10 +14290,678 @@
   <p:clrMapOvr>
     <a:masterClrMapping/>
   </p:clrMapOvr>
+  <p:timing>
+    <p:tnLst>
+      <p:par>
+        <p:cTn id="1" dur="indefinite" restart="never" nodeType="tmRoot"/>
+      </p:par>
+    </p:tnLst>
+  </p:timing>
 </p:sld>
 </file>
 
 <file path=ppt/slides/slide13.xml><?xml version="1.0" encoding="utf-8"?>
+<p:sld xmlns:a="http://schemas.openxmlformats.org/drawingml/2006/main" xmlns:r="http://schemas.openxmlformats.org/officeDocument/2006/relationships" xmlns:p="http://schemas.openxmlformats.org/presentationml/2006/main">
+  <p:cSld>
+    <p:spTree>
+      <p:nvGrpSpPr>
+        <p:cNvPr id="1" name=""/>
+        <p:cNvGrpSpPr/>
+        <p:nvPr/>
+      </p:nvGrpSpPr>
+      <p:grpSpPr>
+        <a:xfrm>
+          <a:off x="0" y="0"/>
+          <a:ext cx="0" cy="0"/>
+          <a:chOff x="0" y="0"/>
+          <a:chExt cx="0" cy="0"/>
+        </a:xfrm>
+      </p:grpSpPr>
+      <p:pic>
+        <p:nvPicPr>
+          <p:cNvPr id="3074" name="Picture 2"/>
+          <p:cNvPicPr>
+            <a:picLocks noChangeAspect="1" noChangeArrowheads="1"/>
+          </p:cNvPicPr>
+          <p:nvPr/>
+        </p:nvPicPr>
+        <p:blipFill>
+          <a:blip r:embed="rId3">
+            <a:extLst>
+              <a:ext uri="{28A0092B-C50C-407E-A947-70E740481C1C}">
+                <a14:useLocalDpi xmlns:a14="http://schemas.microsoft.com/office/drawing/2010/main" val="0"/>
+              </a:ext>
+            </a:extLst>
+          </a:blip>
+          <a:srcRect/>
+          <a:stretch>
+            <a:fillRect/>
+          </a:stretch>
+        </p:blipFill>
+        <p:spPr bwMode="auto">
+          <a:xfrm>
+            <a:off x="0" y="0"/>
+            <a:ext cx="9144000" cy="622300"/>
+          </a:xfrm>
+          <a:prstGeom prst="rect">
+            <a:avLst/>
+          </a:prstGeom>
+          <a:noFill/>
+          <a:ln>
+            <a:noFill/>
+          </a:ln>
+          <a:extLst>
+            <a:ext uri="{909E8E84-426E-40DD-AFC4-6F175D3DCCD1}">
+              <a14:hiddenFill xmlns:a14="http://schemas.microsoft.com/office/drawing/2010/main">
+                <a:solidFill>
+                  <a:srgbClr val="FFFFFF"/>
+                </a:solidFill>
+              </a14:hiddenFill>
+            </a:ext>
+            <a:ext uri="{91240B29-F687-4F45-9708-019B960494DF}">
+              <a14:hiddenLine xmlns:a14="http://schemas.microsoft.com/office/drawing/2010/main" w="9525">
+                <a:solidFill>
+                  <a:srgbClr val="000000"/>
+                </a:solidFill>
+                <a:miter lim="800000"/>
+                <a:headEnd/>
+                <a:tailEnd/>
+              </a14:hiddenLine>
+            </a:ext>
+          </a:extLst>
+        </p:spPr>
+      </p:pic>
+      <p:sp>
+        <p:nvSpPr>
+          <p:cNvPr id="3076" name="TextBox 3"/>
+          <p:cNvSpPr txBox="1">
+            <a:spLocks noChangeArrowheads="1"/>
+          </p:cNvSpPr>
+          <p:nvPr/>
+        </p:nvSpPr>
+        <p:spPr bwMode="auto">
+          <a:xfrm>
+            <a:off x="539750" y="1714500"/>
+            <a:ext cx="8064698" cy="4308872"/>
+          </a:xfrm>
+          <a:prstGeom prst="rect">
+            <a:avLst/>
+          </a:prstGeom>
+          <a:noFill/>
+          <a:ln>
+            <a:noFill/>
+          </a:ln>
+          <a:extLst>
+            <a:ext uri="{909E8E84-426E-40DD-AFC4-6F175D3DCCD1}">
+              <a14:hiddenFill xmlns:a14="http://schemas.microsoft.com/office/drawing/2010/main">
+                <a:solidFill>
+                  <a:srgbClr val="FFFFFF"/>
+                </a:solidFill>
+              </a14:hiddenFill>
+            </a:ext>
+            <a:ext uri="{91240B29-F687-4F45-9708-019B960494DF}">
+              <a14:hiddenLine xmlns:a14="http://schemas.microsoft.com/office/drawing/2010/main" w="9525">
+                <a:solidFill>
+                  <a:srgbClr val="000000"/>
+                </a:solidFill>
+                <a:miter lim="800000"/>
+                <a:headEnd/>
+                <a:tailEnd/>
+              </a14:hiddenLine>
+            </a:ext>
+          </a:extLst>
+        </p:spPr>
+        <p:txBody>
+          <a:bodyPr wrap="square" lIns="0" tIns="0" rIns="0" bIns="0">
+            <a:spAutoFit/>
+          </a:bodyPr>
+          <a:lstStyle>
+            <a:lvl1pPr eaLnBrk="0" hangingPunct="0">
+              <a:defRPr>
+                <a:solidFill>
+                  <a:schemeClr val="tx1"/>
+                </a:solidFill>
+                <a:latin typeface="Calibri" panose="020F0502020204030204" pitchFamily="34" charset="0"/>
+                <a:cs typeface="Arial" panose="020B0604020202020204" pitchFamily="34" charset="0"/>
+              </a:defRPr>
+            </a:lvl1pPr>
+            <a:lvl2pPr marL="742950" indent="-285750" eaLnBrk="0" hangingPunct="0">
+              <a:defRPr>
+                <a:solidFill>
+                  <a:schemeClr val="tx1"/>
+                </a:solidFill>
+                <a:latin typeface="Calibri" panose="020F0502020204030204" pitchFamily="34" charset="0"/>
+                <a:cs typeface="Arial" panose="020B0604020202020204" pitchFamily="34" charset="0"/>
+              </a:defRPr>
+            </a:lvl2pPr>
+            <a:lvl3pPr marL="1143000" indent="-228600" eaLnBrk="0" hangingPunct="0">
+              <a:defRPr>
+                <a:solidFill>
+                  <a:schemeClr val="tx1"/>
+                </a:solidFill>
+                <a:latin typeface="Calibri" panose="020F0502020204030204" pitchFamily="34" charset="0"/>
+                <a:cs typeface="Arial" panose="020B0604020202020204" pitchFamily="34" charset="0"/>
+              </a:defRPr>
+            </a:lvl3pPr>
+            <a:lvl4pPr marL="1600200" indent="-228600" eaLnBrk="0" hangingPunct="0">
+              <a:defRPr>
+                <a:solidFill>
+                  <a:schemeClr val="tx1"/>
+                </a:solidFill>
+                <a:latin typeface="Calibri" panose="020F0502020204030204" pitchFamily="34" charset="0"/>
+                <a:cs typeface="Arial" panose="020B0604020202020204" pitchFamily="34" charset="0"/>
+              </a:defRPr>
+            </a:lvl4pPr>
+            <a:lvl5pPr marL="2057400" indent="-228600" eaLnBrk="0" hangingPunct="0">
+              <a:defRPr>
+                <a:solidFill>
+                  <a:schemeClr val="tx1"/>
+                </a:solidFill>
+                <a:latin typeface="Calibri" panose="020F0502020204030204" pitchFamily="34" charset="0"/>
+                <a:cs typeface="Arial" panose="020B0604020202020204" pitchFamily="34" charset="0"/>
+              </a:defRPr>
+            </a:lvl5pPr>
+            <a:lvl6pPr marL="2514600" indent="-228600" eaLnBrk="0" fontAlgn="base" hangingPunct="0">
+              <a:spcBef>
+                <a:spcPct val="0"/>
+              </a:spcBef>
+              <a:spcAft>
+                <a:spcPct val="0"/>
+              </a:spcAft>
+              <a:defRPr>
+                <a:solidFill>
+                  <a:schemeClr val="tx1"/>
+                </a:solidFill>
+                <a:latin typeface="Calibri" panose="020F0502020204030204" pitchFamily="34" charset="0"/>
+                <a:cs typeface="Arial" panose="020B0604020202020204" pitchFamily="34" charset="0"/>
+              </a:defRPr>
+            </a:lvl6pPr>
+            <a:lvl7pPr marL="2971800" indent="-228600" eaLnBrk="0" fontAlgn="base" hangingPunct="0">
+              <a:spcBef>
+                <a:spcPct val="0"/>
+              </a:spcBef>
+              <a:spcAft>
+                <a:spcPct val="0"/>
+              </a:spcAft>
+              <a:defRPr>
+                <a:solidFill>
+                  <a:schemeClr val="tx1"/>
+                </a:solidFill>
+                <a:latin typeface="Calibri" panose="020F0502020204030204" pitchFamily="34" charset="0"/>
+                <a:cs typeface="Arial" panose="020B0604020202020204" pitchFamily="34" charset="0"/>
+              </a:defRPr>
+            </a:lvl7pPr>
+            <a:lvl8pPr marL="3429000" indent="-228600" eaLnBrk="0" fontAlgn="base" hangingPunct="0">
+              <a:spcBef>
+                <a:spcPct val="0"/>
+              </a:spcBef>
+              <a:spcAft>
+                <a:spcPct val="0"/>
+              </a:spcAft>
+              <a:defRPr>
+                <a:solidFill>
+                  <a:schemeClr val="tx1"/>
+                </a:solidFill>
+                <a:latin typeface="Calibri" panose="020F0502020204030204" pitchFamily="34" charset="0"/>
+                <a:cs typeface="Arial" panose="020B0604020202020204" pitchFamily="34" charset="0"/>
+              </a:defRPr>
+            </a:lvl8pPr>
+            <a:lvl9pPr marL="3886200" indent="-228600" eaLnBrk="0" fontAlgn="base" hangingPunct="0">
+              <a:spcBef>
+                <a:spcPct val="0"/>
+              </a:spcBef>
+              <a:spcAft>
+                <a:spcPct val="0"/>
+              </a:spcAft>
+              <a:defRPr>
+                <a:solidFill>
+                  <a:schemeClr val="tx1"/>
+                </a:solidFill>
+                <a:latin typeface="Calibri" panose="020F0502020204030204" pitchFamily="34" charset="0"/>
+                <a:cs typeface="Arial" panose="020B0604020202020204" pitchFamily="34" charset="0"/>
+              </a:defRPr>
+            </a:lvl9pPr>
+          </a:lstStyle>
+          <a:p>
+            <a:pPr marL="285750" indent="-285750" algn="just" eaLnBrk="1" hangingPunct="1">
+              <a:buFont typeface="Arial" panose="020B0604020202020204" pitchFamily="34" charset="0"/>
+              <a:buChar char="•"/>
+            </a:pPr>
+            <a:r>
+              <a:rPr lang="ru-RU" altLang="ru-RU" sz="2800" dirty="0" smtClean="0">
+                <a:latin typeface="Verdana" panose="020B0604030504040204" pitchFamily="34" charset="0"/>
+              </a:rPr>
+              <a:t>Все поставленные задачи были выполнены</a:t>
+            </a:r>
+          </a:p>
+          <a:p>
+            <a:pPr marL="285750" indent="-285750" algn="just" eaLnBrk="1" hangingPunct="1">
+              <a:buFont typeface="Arial" panose="020B0604020202020204" pitchFamily="34" charset="0"/>
+              <a:buChar char="•"/>
+            </a:pPr>
+            <a:r>
+              <a:rPr lang="ru-RU" altLang="ru-RU" sz="2800" dirty="0" smtClean="0">
+                <a:latin typeface="Verdana" panose="020B0604030504040204" pitchFamily="34" charset="0"/>
+              </a:rPr>
+              <a:t>Полученный алгоритм можно использовать для точного решения относительно простых задач(50 предметов и менее)</a:t>
+            </a:r>
+          </a:p>
+          <a:p>
+            <a:pPr marL="285750" indent="-285750" algn="just" eaLnBrk="1" hangingPunct="1">
+              <a:buFont typeface="Arial" panose="020B0604020202020204" pitchFamily="34" charset="0"/>
+              <a:buChar char="•"/>
+            </a:pPr>
+            <a:r>
+              <a:rPr lang="ru-RU" altLang="ru-RU" sz="2800" dirty="0" smtClean="0">
+                <a:latin typeface="Verdana" panose="020B0604030504040204" pitchFamily="34" charset="0"/>
+              </a:rPr>
+              <a:t>Также алгоритм может быть использован для приближенного решения с высокой точностью для более сложных задач(100 предметов)</a:t>
+            </a:r>
+            <a:endParaRPr lang="ru-RU" altLang="ru-RU" sz="2800" dirty="0" smtClean="0">
+              <a:latin typeface="Verdana" panose="020B0604030504040204" pitchFamily="34" charset="0"/>
+            </a:endParaRPr>
+          </a:p>
+        </p:txBody>
+      </p:sp>
+      <p:sp>
+        <p:nvSpPr>
+          <p:cNvPr id="3077" name="TextBox 3"/>
+          <p:cNvSpPr txBox="1">
+            <a:spLocks noChangeArrowheads="1"/>
+          </p:cNvSpPr>
+          <p:nvPr/>
+        </p:nvSpPr>
+        <p:spPr bwMode="auto">
+          <a:xfrm>
+            <a:off x="539750" y="909638"/>
+            <a:ext cx="8208963" cy="431800"/>
+          </a:xfrm>
+          <a:prstGeom prst="rect">
+            <a:avLst/>
+          </a:prstGeom>
+          <a:noFill/>
+          <a:ln>
+            <a:noFill/>
+          </a:ln>
+          <a:extLst>
+            <a:ext uri="{909E8E84-426E-40DD-AFC4-6F175D3DCCD1}">
+              <a14:hiddenFill xmlns:a14="http://schemas.microsoft.com/office/drawing/2010/main">
+                <a:solidFill>
+                  <a:srgbClr val="FFFFFF"/>
+                </a:solidFill>
+              </a14:hiddenFill>
+            </a:ext>
+            <a:ext uri="{91240B29-F687-4F45-9708-019B960494DF}">
+              <a14:hiddenLine xmlns:a14="http://schemas.microsoft.com/office/drawing/2010/main" w="9525">
+                <a:solidFill>
+                  <a:srgbClr val="000000"/>
+                </a:solidFill>
+                <a:miter lim="800000"/>
+                <a:headEnd/>
+                <a:tailEnd/>
+              </a14:hiddenLine>
+            </a:ext>
+          </a:extLst>
+        </p:spPr>
+        <p:txBody>
+          <a:bodyPr lIns="0" tIns="0" rIns="0" bIns="0">
+            <a:spAutoFit/>
+          </a:bodyPr>
+          <a:lstStyle>
+            <a:lvl1pPr eaLnBrk="0" hangingPunct="0">
+              <a:defRPr>
+                <a:solidFill>
+                  <a:schemeClr val="tx1"/>
+                </a:solidFill>
+                <a:latin typeface="Calibri" panose="020F0502020204030204" pitchFamily="34" charset="0"/>
+                <a:cs typeface="Arial" panose="020B0604020202020204" pitchFamily="34" charset="0"/>
+              </a:defRPr>
+            </a:lvl1pPr>
+            <a:lvl2pPr marL="742950" indent="-285750" eaLnBrk="0" hangingPunct="0">
+              <a:defRPr>
+                <a:solidFill>
+                  <a:schemeClr val="tx1"/>
+                </a:solidFill>
+                <a:latin typeface="Calibri" panose="020F0502020204030204" pitchFamily="34" charset="0"/>
+                <a:cs typeface="Arial" panose="020B0604020202020204" pitchFamily="34" charset="0"/>
+              </a:defRPr>
+            </a:lvl2pPr>
+            <a:lvl3pPr marL="1143000" indent="-228600" eaLnBrk="0" hangingPunct="0">
+              <a:defRPr>
+                <a:solidFill>
+                  <a:schemeClr val="tx1"/>
+                </a:solidFill>
+                <a:latin typeface="Calibri" panose="020F0502020204030204" pitchFamily="34" charset="0"/>
+                <a:cs typeface="Arial" panose="020B0604020202020204" pitchFamily="34" charset="0"/>
+              </a:defRPr>
+            </a:lvl3pPr>
+            <a:lvl4pPr marL="1600200" indent="-228600" eaLnBrk="0" hangingPunct="0">
+              <a:defRPr>
+                <a:solidFill>
+                  <a:schemeClr val="tx1"/>
+                </a:solidFill>
+                <a:latin typeface="Calibri" panose="020F0502020204030204" pitchFamily="34" charset="0"/>
+                <a:cs typeface="Arial" panose="020B0604020202020204" pitchFamily="34" charset="0"/>
+              </a:defRPr>
+            </a:lvl4pPr>
+            <a:lvl5pPr marL="2057400" indent="-228600" eaLnBrk="0" hangingPunct="0">
+              <a:defRPr>
+                <a:solidFill>
+                  <a:schemeClr val="tx1"/>
+                </a:solidFill>
+                <a:latin typeface="Calibri" panose="020F0502020204030204" pitchFamily="34" charset="0"/>
+                <a:cs typeface="Arial" panose="020B0604020202020204" pitchFamily="34" charset="0"/>
+              </a:defRPr>
+            </a:lvl5pPr>
+            <a:lvl6pPr marL="2514600" indent="-228600" eaLnBrk="0" fontAlgn="base" hangingPunct="0">
+              <a:spcBef>
+                <a:spcPct val="0"/>
+              </a:spcBef>
+              <a:spcAft>
+                <a:spcPct val="0"/>
+              </a:spcAft>
+              <a:defRPr>
+                <a:solidFill>
+                  <a:schemeClr val="tx1"/>
+                </a:solidFill>
+                <a:latin typeface="Calibri" panose="020F0502020204030204" pitchFamily="34" charset="0"/>
+                <a:cs typeface="Arial" panose="020B0604020202020204" pitchFamily="34" charset="0"/>
+              </a:defRPr>
+            </a:lvl6pPr>
+            <a:lvl7pPr marL="2971800" indent="-228600" eaLnBrk="0" fontAlgn="base" hangingPunct="0">
+              <a:spcBef>
+                <a:spcPct val="0"/>
+              </a:spcBef>
+              <a:spcAft>
+                <a:spcPct val="0"/>
+              </a:spcAft>
+              <a:defRPr>
+                <a:solidFill>
+                  <a:schemeClr val="tx1"/>
+                </a:solidFill>
+                <a:latin typeface="Calibri" panose="020F0502020204030204" pitchFamily="34" charset="0"/>
+                <a:cs typeface="Arial" panose="020B0604020202020204" pitchFamily="34" charset="0"/>
+              </a:defRPr>
+            </a:lvl7pPr>
+            <a:lvl8pPr marL="3429000" indent="-228600" eaLnBrk="0" fontAlgn="base" hangingPunct="0">
+              <a:spcBef>
+                <a:spcPct val="0"/>
+              </a:spcBef>
+              <a:spcAft>
+                <a:spcPct val="0"/>
+              </a:spcAft>
+              <a:defRPr>
+                <a:solidFill>
+                  <a:schemeClr val="tx1"/>
+                </a:solidFill>
+                <a:latin typeface="Calibri" panose="020F0502020204030204" pitchFamily="34" charset="0"/>
+                <a:cs typeface="Arial" panose="020B0604020202020204" pitchFamily="34" charset="0"/>
+              </a:defRPr>
+            </a:lvl8pPr>
+            <a:lvl9pPr marL="3886200" indent="-228600" eaLnBrk="0" fontAlgn="base" hangingPunct="0">
+              <a:spcBef>
+                <a:spcPct val="0"/>
+              </a:spcBef>
+              <a:spcAft>
+                <a:spcPct val="0"/>
+              </a:spcAft>
+              <a:defRPr>
+                <a:solidFill>
+                  <a:schemeClr val="tx1"/>
+                </a:solidFill>
+                <a:latin typeface="Calibri" panose="020F0502020204030204" pitchFamily="34" charset="0"/>
+                <a:cs typeface="Arial" panose="020B0604020202020204" pitchFamily="34" charset="0"/>
+              </a:defRPr>
+            </a:lvl9pPr>
+          </a:lstStyle>
+          <a:p>
+            <a:pPr eaLnBrk="1" hangingPunct="1"/>
+            <a:r>
+              <a:rPr lang="ru-RU" altLang="ru-RU" sz="2800" b="1" dirty="0" smtClean="0">
+                <a:latin typeface="Verdana" panose="020B0604030504040204" pitchFamily="34" charset="0"/>
+              </a:rPr>
+              <a:t>Заключение</a:t>
+            </a:r>
+            <a:endParaRPr lang="ru-RU" altLang="ru-RU" sz="2800" b="1" dirty="0">
+              <a:latin typeface="Verdana" panose="020B0604030504040204" pitchFamily="34" charset="0"/>
+            </a:endParaRPr>
+          </a:p>
+        </p:txBody>
+      </p:sp>
+      <p:sp>
+        <p:nvSpPr>
+          <p:cNvPr id="8" name="TextBox 2"/>
+          <p:cNvSpPr txBox="1">
+            <a:spLocks noChangeArrowheads="1"/>
+          </p:cNvSpPr>
+          <p:nvPr/>
+        </p:nvSpPr>
+        <p:spPr bwMode="auto">
+          <a:xfrm>
+            <a:off x="2843213" y="158750"/>
+            <a:ext cx="6265862" cy="400050"/>
+          </a:xfrm>
+          <a:prstGeom prst="rect">
+            <a:avLst/>
+          </a:prstGeom>
+          <a:noFill/>
+          <a:ln>
+            <a:noFill/>
+          </a:ln>
+          <a:extLst>
+            <a:ext uri="{909E8E84-426E-40DD-AFC4-6F175D3DCCD1}">
+              <a14:hiddenFill xmlns:a14="http://schemas.microsoft.com/office/drawing/2010/main">
+                <a:solidFill>
+                  <a:srgbClr val="FFFFFF"/>
+                </a:solidFill>
+              </a14:hiddenFill>
+            </a:ext>
+            <a:ext uri="{91240B29-F687-4F45-9708-019B960494DF}">
+              <a14:hiddenLine xmlns:a14="http://schemas.microsoft.com/office/drawing/2010/main" w="9525">
+                <a:solidFill>
+                  <a:srgbClr val="000000"/>
+                </a:solidFill>
+                <a:miter lim="800000"/>
+                <a:headEnd/>
+                <a:tailEnd/>
+              </a14:hiddenLine>
+            </a:ext>
+          </a:extLst>
+        </p:spPr>
+        <p:txBody>
+          <a:bodyPr>
+            <a:spAutoFit/>
+          </a:bodyPr>
+          <a:lstStyle>
+            <a:lvl1pPr>
+              <a:spcBef>
+                <a:spcPct val="20000"/>
+              </a:spcBef>
+              <a:buFont typeface="Arial" panose="020B0604020202020204" pitchFamily="34" charset="0"/>
+              <a:buChar char="•"/>
+              <a:defRPr sz="3200">
+                <a:solidFill>
+                  <a:schemeClr val="tx1"/>
+                </a:solidFill>
+                <a:latin typeface="Calibri" panose="020F0502020204030204" pitchFamily="34" charset="0"/>
+              </a:defRPr>
+            </a:lvl1pPr>
+            <a:lvl2pPr marL="742950" indent="-285750">
+              <a:spcBef>
+                <a:spcPct val="20000"/>
+              </a:spcBef>
+              <a:buFont typeface="Arial" panose="020B0604020202020204" pitchFamily="34" charset="0"/>
+              <a:buChar char="–"/>
+              <a:defRPr sz="2800">
+                <a:solidFill>
+                  <a:schemeClr val="tx1"/>
+                </a:solidFill>
+                <a:latin typeface="Calibri" panose="020F0502020204030204" pitchFamily="34" charset="0"/>
+              </a:defRPr>
+            </a:lvl2pPr>
+            <a:lvl3pPr marL="1143000" indent="-228600">
+              <a:spcBef>
+                <a:spcPct val="20000"/>
+              </a:spcBef>
+              <a:buFont typeface="Arial" panose="020B0604020202020204" pitchFamily="34" charset="0"/>
+              <a:buChar char="•"/>
+              <a:defRPr sz="2400">
+                <a:solidFill>
+                  <a:schemeClr val="tx1"/>
+                </a:solidFill>
+                <a:latin typeface="Calibri" panose="020F0502020204030204" pitchFamily="34" charset="0"/>
+              </a:defRPr>
+            </a:lvl3pPr>
+            <a:lvl4pPr marL="1600200" indent="-228600">
+              <a:spcBef>
+                <a:spcPct val="20000"/>
+              </a:spcBef>
+              <a:buFont typeface="Arial" panose="020B0604020202020204" pitchFamily="34" charset="0"/>
+              <a:buChar char="–"/>
+              <a:defRPr sz="2000">
+                <a:solidFill>
+                  <a:schemeClr val="tx1"/>
+                </a:solidFill>
+                <a:latin typeface="Calibri" panose="020F0502020204030204" pitchFamily="34" charset="0"/>
+              </a:defRPr>
+            </a:lvl4pPr>
+            <a:lvl5pPr marL="2057400" indent="-228600">
+              <a:spcBef>
+                <a:spcPct val="20000"/>
+              </a:spcBef>
+              <a:buFont typeface="Arial" panose="020B0604020202020204" pitchFamily="34" charset="0"/>
+              <a:buChar char="»"/>
+              <a:defRPr sz="2000">
+                <a:solidFill>
+                  <a:schemeClr val="tx1"/>
+                </a:solidFill>
+                <a:latin typeface="Calibri" panose="020F0502020204030204" pitchFamily="34" charset="0"/>
+              </a:defRPr>
+            </a:lvl5pPr>
+            <a:lvl6pPr marL="2514600" indent="-228600" eaLnBrk="0" fontAlgn="base" hangingPunct="0">
+              <a:spcBef>
+                <a:spcPct val="20000"/>
+              </a:spcBef>
+              <a:spcAft>
+                <a:spcPct val="0"/>
+              </a:spcAft>
+              <a:buFont typeface="Arial" panose="020B0604020202020204" pitchFamily="34" charset="0"/>
+              <a:buChar char="»"/>
+              <a:defRPr sz="2000">
+                <a:solidFill>
+                  <a:schemeClr val="tx1"/>
+                </a:solidFill>
+                <a:latin typeface="Calibri" panose="020F0502020204030204" pitchFamily="34" charset="0"/>
+              </a:defRPr>
+            </a:lvl6pPr>
+            <a:lvl7pPr marL="2971800" indent="-228600" eaLnBrk="0" fontAlgn="base" hangingPunct="0">
+              <a:spcBef>
+                <a:spcPct val="20000"/>
+              </a:spcBef>
+              <a:spcAft>
+                <a:spcPct val="0"/>
+              </a:spcAft>
+              <a:buFont typeface="Arial" panose="020B0604020202020204" pitchFamily="34" charset="0"/>
+              <a:buChar char="»"/>
+              <a:defRPr sz="2000">
+                <a:solidFill>
+                  <a:schemeClr val="tx1"/>
+                </a:solidFill>
+                <a:latin typeface="Calibri" panose="020F0502020204030204" pitchFamily="34" charset="0"/>
+              </a:defRPr>
+            </a:lvl7pPr>
+            <a:lvl8pPr marL="3429000" indent="-228600" eaLnBrk="0" fontAlgn="base" hangingPunct="0">
+              <a:spcBef>
+                <a:spcPct val="20000"/>
+              </a:spcBef>
+              <a:spcAft>
+                <a:spcPct val="0"/>
+              </a:spcAft>
+              <a:buFont typeface="Arial" panose="020B0604020202020204" pitchFamily="34" charset="0"/>
+              <a:buChar char="»"/>
+              <a:defRPr sz="2000">
+                <a:solidFill>
+                  <a:schemeClr val="tx1"/>
+                </a:solidFill>
+                <a:latin typeface="Calibri" panose="020F0502020204030204" pitchFamily="34" charset="0"/>
+              </a:defRPr>
+            </a:lvl8pPr>
+            <a:lvl9pPr marL="3886200" indent="-228600" eaLnBrk="0" fontAlgn="base" hangingPunct="0">
+              <a:spcBef>
+                <a:spcPct val="20000"/>
+              </a:spcBef>
+              <a:spcAft>
+                <a:spcPct val="0"/>
+              </a:spcAft>
+              <a:buFont typeface="Arial" panose="020B0604020202020204" pitchFamily="34" charset="0"/>
+              <a:buChar char="»"/>
+              <a:defRPr sz="2000">
+                <a:solidFill>
+                  <a:schemeClr val="tx1"/>
+                </a:solidFill>
+                <a:latin typeface="Calibri" panose="020F0502020204030204" pitchFamily="34" charset="0"/>
+              </a:defRPr>
+            </a:lvl9pPr>
+          </a:lstStyle>
+          <a:p>
+            <a:pPr eaLnBrk="1" hangingPunct="1">
+              <a:spcBef>
+                <a:spcPct val="0"/>
+              </a:spcBef>
+              <a:buFont typeface="Arial" panose="020B0604020202020204" pitchFamily="34" charset="0"/>
+              <a:buNone/>
+            </a:pPr>
+            <a:r>
+              <a:rPr lang="ru-RU" altLang="ru-RU" sz="1000" dirty="0">
+                <a:latin typeface="Verdana" panose="020B0604030504040204" pitchFamily="34" charset="0"/>
+              </a:rPr>
+              <a:t>Решение проблемы о многомерном рюкзаке с помощью генетического алгоритма</a:t>
+            </a:r>
+          </a:p>
+          <a:p>
+            <a:pPr eaLnBrk="1" hangingPunct="1">
+              <a:spcBef>
+                <a:spcPct val="0"/>
+              </a:spcBef>
+              <a:buFontTx/>
+              <a:buNone/>
+            </a:pPr>
+            <a:r>
+              <a:rPr lang="ru-RU" altLang="ru-RU" sz="1000" dirty="0">
+                <a:latin typeface="Verdana" panose="020B0604030504040204" pitchFamily="34" charset="0"/>
+              </a:rPr>
+              <a:t>		</a:t>
+            </a:r>
+            <a:r>
+              <a:rPr lang="ru-RU" altLang="ru-RU" sz="1000" b="1" dirty="0">
+                <a:latin typeface="Verdana" panose="020B0604030504040204" pitchFamily="34" charset="0"/>
+              </a:rPr>
+              <a:t>	Островский С. В.</a:t>
+            </a:r>
+          </a:p>
+        </p:txBody>
+      </p:sp>
+    </p:spTree>
+    <p:extLst>
+      <p:ext uri="{BB962C8B-B14F-4D97-AF65-F5344CB8AC3E}">
+        <p14:creationId xmlns:p14="http://schemas.microsoft.com/office/powerpoint/2010/main" val="922494240"/>
+      </p:ext>
+    </p:extLst>
+  </p:cSld>
+  <p:clrMapOvr>
+    <a:masterClrMapping/>
+  </p:clrMapOvr>
+  <p:timing>
+    <p:tnLst>
+      <p:par>
+        <p:cTn id="1" dur="indefinite" restart="never" nodeType="tmRoot"/>
+      </p:par>
+    </p:tnLst>
+  </p:timing>
+</p:sld>
+</file>
+
+<file path=ppt/slides/slide14.xml><?xml version="1.0" encoding="utf-8"?>
 <p:sld xmlns:a="http://schemas.openxmlformats.org/drawingml/2006/main" xmlns:r="http://schemas.openxmlformats.org/officeDocument/2006/relationships" xmlns:p="http://schemas.openxmlformats.org/presentationml/2006/main">
   <p:cSld>
     <p:spTree>
@@ -14533,6 +15447,13 @@
   <p:clrMapOvr>
     <a:masterClrMapping/>
   </p:clrMapOvr>
+  <p:timing>
+    <p:tnLst>
+      <p:par>
+        <p:cTn id="1" dur="indefinite" restart="never" nodeType="tmRoot"/>
+      </p:par>
+    </p:tnLst>
+  </p:timing>
 </p:sld>
 </file>
 
@@ -15073,6 +15994,13 @@
   <p:clrMapOvr>
     <a:masterClrMapping/>
   </p:clrMapOvr>
+  <p:timing>
+    <p:tnLst>
+      <p:par>
+        <p:cTn id="1" dur="indefinite" restart="never" nodeType="tmRoot"/>
+      </p:par>
+    </p:tnLst>
+  </p:timing>
 </p:sld>
 </file>
 
@@ -15864,6 +16792,13 @@
   <p:clrMapOvr>
     <a:masterClrMapping/>
   </p:clrMapOvr>
+  <p:timing>
+    <p:tnLst>
+      <p:par>
+        <p:cTn id="1" dur="indefinite" restart="never" nodeType="tmRoot"/>
+      </p:par>
+    </p:tnLst>
+  </p:timing>
 </p:sld>
 </file>
 
@@ -16301,9 +17236,6 @@
               </a:rPr>
               <a:t>погрузка груза </a:t>
             </a:r>
-            <a:endParaRPr lang="ru-RU" altLang="ru-RU" sz="2800" dirty="0" smtClean="0">
-              <a:latin typeface="Verdana" panose="020B0604030504040204" pitchFamily="34" charset="0"/>
-            </a:endParaRPr>
           </a:p>
           <a:p>
             <a:pPr marL="285750" indent="-285750" algn="just" eaLnBrk="1" hangingPunct="1">
@@ -16314,13 +17246,7 @@
               <a:rPr lang="ru-RU" altLang="ru-RU" sz="2800" dirty="0" smtClean="0">
                 <a:latin typeface="Verdana" panose="020B0604030504040204" pitchFamily="34" charset="0"/>
               </a:rPr>
-              <a:t>контроль </a:t>
-            </a:r>
-            <a:r>
-              <a:rPr lang="ru-RU" altLang="ru-RU" sz="2800" dirty="0" smtClean="0">
-                <a:latin typeface="Verdana" panose="020B0604030504040204" pitchFamily="34" charset="0"/>
-              </a:rPr>
-              <a:t>бюджета </a:t>
+              <a:t>контроль бюджета </a:t>
             </a:r>
           </a:p>
           <a:p>
@@ -16563,6 +17489,13 @@
   <p:clrMapOvr>
     <a:masterClrMapping/>
   </p:clrMapOvr>
+  <p:timing>
+    <p:tnLst>
+      <p:par>
+        <p:cTn id="1" dur="indefinite" restart="never" nodeType="tmRoot"/>
+      </p:par>
+    </p:tnLst>
+  </p:timing>
 </p:sld>
 </file>
 
@@ -17028,13 +17961,7 @@
               <a:rPr lang="ru-RU" altLang="ru-RU" sz="2000" dirty="0" smtClean="0">
                 <a:latin typeface="Verdana" panose="020B0604030504040204" pitchFamily="34" charset="0"/>
               </a:rPr>
-              <a:t>Мутировавшие генотипы замещают собой исходные в </a:t>
-            </a:r>
-            <a:r>
-              <a:rPr lang="ru-RU" altLang="ru-RU" sz="2000" dirty="0" smtClean="0">
-                <a:latin typeface="Verdana" panose="020B0604030504040204" pitchFamily="34" charset="0"/>
-              </a:rPr>
-              <a:t>пуле</a:t>
+              <a:t>Мутировавшие генотипы замещают собой исходные в пуле</a:t>
             </a:r>
             <a:endParaRPr lang="en-US" altLang="ru-RU" sz="2000" dirty="0" smtClean="0">
               <a:latin typeface="Verdana" panose="020B0604030504040204" pitchFamily="34" charset="0"/>
@@ -17049,13 +17976,7 @@
               <a:rPr lang="ru-RU" altLang="ru-RU" sz="2000" dirty="0" smtClean="0">
                 <a:latin typeface="Verdana" panose="020B0604030504040204" pitchFamily="34" charset="0"/>
               </a:rPr>
-              <a:t>Из </a:t>
-            </a:r>
-            <a:r>
-              <a:rPr lang="ru-RU" altLang="ru-RU" sz="2000" dirty="0" smtClean="0">
-                <a:latin typeface="Verdana" panose="020B0604030504040204" pitchFamily="34" charset="0"/>
-              </a:rPr>
-              <a:t>пула генотипов выбираются пары для скрещивания</a:t>
+              <a:t>Из пула генотипов выбираются пары для скрещивания</a:t>
             </a:r>
           </a:p>
           <a:p>
@@ -17340,6 +18261,13 @@
   <p:clrMapOvr>
     <a:masterClrMapping/>
   </p:clrMapOvr>
+  <p:timing>
+    <p:tnLst>
+      <p:par>
+        <p:cTn id="1" dur="indefinite" restart="never" nodeType="tmRoot"/>
+      </p:par>
+    </p:tnLst>
+  </p:timing>
 </p:sld>
 </file>
 
@@ -18378,6 +19306,13 @@
   <p:clrMapOvr>
     <a:masterClrMapping/>
   </p:clrMapOvr>
+  <p:timing>
+    <p:tnLst>
+      <p:par>
+        <p:cTn id="1" dur="indefinite" restart="never" nodeType="tmRoot"/>
+      </p:par>
+    </p:tnLst>
+  </p:timing>
 </p:sld>
 </file>
 
@@ -19650,6 +20585,13 @@
   <p:clrMapOvr>
     <a:masterClrMapping/>
   </p:clrMapOvr>
+  <p:timing>
+    <p:tnLst>
+      <p:par>
+        <p:cTn id="1" dur="indefinite" restart="never" nodeType="tmRoot"/>
+      </p:par>
+    </p:tnLst>
+  </p:timing>
 </p:sld>
 </file>
 
@@ -20299,6 +21241,13 @@
   <p:clrMapOvr>
     <a:masterClrMapping/>
   </p:clrMapOvr>
+  <p:timing>
+    <p:tnLst>
+      <p:par>
+        <p:cTn id="1" dur="indefinite" restart="never" nodeType="tmRoot"/>
+      </p:par>
+    </p:tnLst>
+  </p:timing>
 </p:sld>
 </file>
 
@@ -20549,7 +21498,7 @@
         <p:spPr bwMode="auto">
           <a:xfrm>
             <a:off x="539750" y="1641474"/>
-            <a:ext cx="4032250" cy="3662541"/>
+            <a:ext cx="4032250" cy="3908762"/>
           </a:xfrm>
           <a:prstGeom prst="rect">
             <a:avLst/>
@@ -20728,7 +21677,43 @@
               <a:rPr lang="en-US" altLang="ru-RU" sz="1600" i="1" dirty="0" smtClean="0">
                 <a:latin typeface="Verdana" panose="020B0604030504040204" pitchFamily="34" charset="0"/>
               </a:rPr>
-              <a:t> algorithm applied to the selection of R&amp;D projects"</a:t>
+              <a:t> algorithm applied to the selection of R&amp;D </a:t>
+            </a:r>
+            <a:r>
+              <a:rPr lang="en-US" altLang="ru-RU" sz="1600" i="1" dirty="0" smtClean="0">
+                <a:latin typeface="Verdana" panose="020B0604030504040204" pitchFamily="34" charset="0"/>
+              </a:rPr>
+              <a:t>projects</a:t>
+            </a:r>
+            <a:r>
+              <a:rPr lang="en-US" altLang="ru-RU" sz="1600" i="1" dirty="0" smtClean="0">
+                <a:latin typeface="Verdana" panose="020B0604030504040204" pitchFamily="34" charset="0"/>
+              </a:rPr>
+              <a:t>”</a:t>
+            </a:r>
+            <a:r>
+              <a:rPr lang="ru-RU" altLang="ru-RU" sz="1600" i="1" dirty="0" smtClean="0">
+                <a:latin typeface="Verdana" panose="020B0604030504040204" pitchFamily="34" charset="0"/>
+              </a:rPr>
+              <a:t>,</a:t>
+            </a:r>
+            <a:r>
+              <a:rPr lang="en-US" altLang="ru-RU" sz="1600" i="1" dirty="0" smtClean="0">
+                <a:latin typeface="Verdana" panose="020B0604030504040204" pitchFamily="34" charset="0"/>
+              </a:rPr>
+              <a:t> </a:t>
+            </a:r>
+            <a:r>
+              <a:rPr lang="ru-RU" altLang="ru-RU" sz="1600" dirty="0" smtClean="0">
+                <a:latin typeface="Verdana" panose="020B0604030504040204" pitchFamily="34" charset="0"/>
+              </a:rPr>
+              <a:t>запускался без модификаций.</a:t>
+            </a:r>
+            <a:r>
+              <a:rPr lang="ru-RU" altLang="ru-RU" sz="1600" i="1" dirty="0" smtClean="0">
+                <a:latin typeface="Verdana" panose="020B0604030504040204" pitchFamily="34" charset="0"/>
+              </a:rPr>
+              <a:t> </a:t>
             </a:r>
             <a:endParaRPr lang="ru-RU" altLang="ru-RU" sz="1600" i="1" dirty="0" smtClean="0">
               <a:latin typeface="Verdana" panose="020B0604030504040204" pitchFamily="34" charset="0"/>
@@ -21864,6 +22849,13 @@
   <p:clrMapOvr>
     <a:masterClrMapping/>
   </p:clrMapOvr>
+  <p:timing>
+    <p:tnLst>
+      <p:par>
+        <p:cTn id="1" dur="indefinite" restart="never" nodeType="tmRoot"/>
+      </p:par>
+    </p:tnLst>
+  </p:timing>
 </p:sld>
 </file>
 

--- a/Ostrovskiy  Diploma.pptx
+++ b/Ostrovskiy  Diploma.pptx
@@ -281,7 +281,7 @@
               <a:pPr>
                 <a:defRPr/>
               </a:pPr>
-              <a:t>10.06.2017</a:t>
+              <a:t>12.06.2017</a:t>
             </a:fld>
             <a:endParaRPr lang="ru-RU"/>
           </a:p>
@@ -4258,7 +4258,7 @@
               <a:pPr>
                 <a:defRPr/>
               </a:pPr>
-              <a:t>10.06.2017</a:t>
+              <a:t>12.06.2017</a:t>
             </a:fld>
             <a:endParaRPr lang="ru-RU"/>
           </a:p>
@@ -4450,7 +4450,7 @@
               <a:pPr>
                 <a:defRPr/>
               </a:pPr>
-              <a:t>10.06.2017</a:t>
+              <a:t>12.06.2017</a:t>
             </a:fld>
             <a:endParaRPr lang="ru-RU"/>
           </a:p>
@@ -4652,7 +4652,7 @@
               <a:pPr>
                 <a:defRPr/>
               </a:pPr>
-              <a:t>10.06.2017</a:t>
+              <a:t>12.06.2017</a:t>
             </a:fld>
             <a:endParaRPr lang="ru-RU"/>
           </a:p>
@@ -4844,7 +4844,7 @@
               <a:pPr>
                 <a:defRPr/>
               </a:pPr>
-              <a:t>10.06.2017</a:t>
+              <a:t>12.06.2017</a:t>
             </a:fld>
             <a:endParaRPr lang="ru-RU"/>
           </a:p>
@@ -5112,7 +5112,7 @@
               <a:pPr>
                 <a:defRPr/>
               </a:pPr>
-              <a:t>10.06.2017</a:t>
+              <a:t>12.06.2017</a:t>
             </a:fld>
             <a:endParaRPr lang="ru-RU"/>
           </a:p>
@@ -5422,7 +5422,7 @@
               <a:pPr>
                 <a:defRPr/>
               </a:pPr>
-              <a:t>10.06.2017</a:t>
+              <a:t>12.06.2017</a:t>
             </a:fld>
             <a:endParaRPr lang="ru-RU"/>
           </a:p>
@@ -5866,7 +5866,7 @@
               <a:pPr>
                 <a:defRPr/>
               </a:pPr>
-              <a:t>10.06.2017</a:t>
+              <a:t>12.06.2017</a:t>
             </a:fld>
             <a:endParaRPr lang="ru-RU"/>
           </a:p>
@@ -6006,7 +6006,7 @@
               <a:pPr>
                 <a:defRPr/>
               </a:pPr>
-              <a:t>10.06.2017</a:t>
+              <a:t>12.06.2017</a:t>
             </a:fld>
             <a:endParaRPr lang="ru-RU"/>
           </a:p>
@@ -6123,7 +6123,7 @@
               <a:pPr>
                 <a:defRPr/>
               </a:pPr>
-              <a:t>10.06.2017</a:t>
+              <a:t>12.06.2017</a:t>
             </a:fld>
             <a:endParaRPr lang="ru-RU"/>
           </a:p>
@@ -6422,7 +6422,7 @@
               <a:pPr>
                 <a:defRPr/>
               </a:pPr>
-              <a:t>10.06.2017</a:t>
+              <a:t>12.06.2017</a:t>
             </a:fld>
             <a:endParaRPr lang="ru-RU"/>
           </a:p>
@@ -6700,7 +6700,7 @@
               <a:pPr>
                 <a:defRPr/>
               </a:pPr>
-              <a:t>10.06.2017</a:t>
+              <a:t>12.06.2017</a:t>
             </a:fld>
             <a:endParaRPr lang="ru-RU"/>
           </a:p>
@@ -6991,7 +6991,7 @@
               <a:pPr>
                 <a:defRPr/>
               </a:pPr>
-              <a:t>10.06.2017</a:t>
+              <a:t>12.06.2017</a:t>
             </a:fld>
             <a:endParaRPr lang="ru-RU"/>
           </a:p>
@@ -14557,9 +14557,6 @@
               </a:rPr>
               <a:t>Также алгоритм может быть использован для приближенного решения с высокой точностью для более сложных задач(100 предметов)</a:t>
             </a:r>
-            <a:endParaRPr lang="ru-RU" altLang="ru-RU" sz="2800" dirty="0" smtClean="0">
-              <a:latin typeface="Verdana" panose="020B0604030504040204" pitchFamily="34" charset="0"/>
-            </a:endParaRPr>
           </a:p>
         </p:txBody>
       </p:sp>
@@ -16519,7 +16516,7 @@
               <a:rPr lang="ru-RU" altLang="ru-RU" sz="1800" dirty="0" smtClean="0">
                 <a:latin typeface="Verdana" panose="020B0604030504040204" pitchFamily="34" charset="0"/>
               </a:rPr>
-              <a:t>Исследовать генетические алгоритмы</a:t>
+              <a:t>Изучить генетический алгоритм </a:t>
             </a:r>
             <a:endParaRPr lang="ru-RU" altLang="ru-RU" sz="1800" dirty="0">
               <a:latin typeface="Verdana" panose="020B0604030504040204" pitchFamily="34" charset="0"/>
@@ -21677,19 +21674,7 @@
               <a:rPr lang="en-US" altLang="ru-RU" sz="1600" i="1" dirty="0" smtClean="0">
                 <a:latin typeface="Verdana" panose="020B0604030504040204" pitchFamily="34" charset="0"/>
               </a:rPr>
-              <a:t> algorithm applied to the selection of R&amp;D </a:t>
-            </a:r>
-            <a:r>
-              <a:rPr lang="en-US" altLang="ru-RU" sz="1600" i="1" dirty="0" smtClean="0">
-                <a:latin typeface="Verdana" panose="020B0604030504040204" pitchFamily="34" charset="0"/>
-              </a:rPr>
-              <a:t>projects</a:t>
-            </a:r>
-            <a:r>
-              <a:rPr lang="en-US" altLang="ru-RU" sz="1600" i="1" dirty="0" smtClean="0">
-                <a:latin typeface="Verdana" panose="020B0604030504040204" pitchFamily="34" charset="0"/>
-              </a:rPr>
-              <a:t>”</a:t>
+              <a:t> algorithm applied to the selection of R&amp;D projects”</a:t>
             </a:r>
             <a:r>
               <a:rPr lang="ru-RU" altLang="ru-RU" sz="1600" i="1" dirty="0" smtClean="0">
@@ -21715,9 +21700,6 @@
               </a:rPr>
               <a:t> </a:t>
             </a:r>
-            <a:endParaRPr lang="ru-RU" altLang="ru-RU" sz="1600" i="1" dirty="0" smtClean="0">
-              <a:latin typeface="Verdana" panose="020B0604030504040204" pitchFamily="34" charset="0"/>
-            </a:endParaRPr>
           </a:p>
           <a:p>
             <a:pPr algn="just" eaLnBrk="1" hangingPunct="1"/>
